--- a/DSilver_Lecture1_강화학습의_소개_trans_SAI_janghoolee.pptx
+++ b/DSilver_Lecture1_강화학습의_소개_trans_SAI_janghoolee.pptx
@@ -5860,6 +5860,51 @@
           <a:lstStyle/>
           <a:p>
             <a:endParaRPr lang="ko-KR" altLang="en-US"/>
+          </a:p>
+        </p:txBody>
+      </p:sp>
+      <p:sp>
+        <p:nvSpPr>
+          <p:cNvPr id="6" name="TextBox 5">
+            <a:extLst>
+              <a:ext uri="{FF2B5EF4-FFF2-40B4-BE49-F238E27FC236}">
+                <a16:creationId xmlns:a16="http://schemas.microsoft.com/office/drawing/2014/main" id="{CBFD8DA5-8308-4141-8DAB-096B213F32D5}"/>
+              </a:ext>
+            </a:extLst>
+          </p:cNvPr>
+          <p:cNvSpPr txBox="1"/>
+          <p:nvPr/>
+        </p:nvSpPr>
+        <p:spPr>
+          <a:xfrm>
+            <a:off x="1" y="6488668"/>
+            <a:ext cx="2000250" cy="369332"/>
+          </a:xfrm>
+          <a:prstGeom prst="rect">
+            <a:avLst/>
+          </a:prstGeom>
+          <a:noFill/>
+        </p:spPr>
+        <p:txBody>
+          <a:bodyPr wrap="square" rtlCol="0">
+            <a:spAutoFit/>
+          </a:bodyPr>
+          <a:lstStyle/>
+          <a:p>
+            <a:r>
+              <a:rPr lang="en-US" altLang="ko-KR">
+                <a:latin typeface="나눔고딕" panose="020D0604000000000000" pitchFamily="50" charset="-127"/>
+                <a:ea typeface="나눔고딕" panose="020D0604000000000000" pitchFamily="50" charset="-127"/>
+              </a:rPr>
+              <a:t>2020/01/18 </a:t>
+            </a:r>
+            <a:r>
+              <a:rPr lang="ko-KR" altLang="en-US" dirty="0">
+                <a:latin typeface="나눔고딕" panose="020D0604000000000000" pitchFamily="50" charset="-127"/>
+                <a:ea typeface="나눔고딕" panose="020D0604000000000000" pitchFamily="50" charset="-127"/>
+              </a:rPr>
+              <a:t>수정</a:t>
+            </a:r>
           </a:p>
         </p:txBody>
       </p:sp>
@@ -10178,8 +10223,8 @@
           </p:txBody>
         </p:sp>
       </p:grpSp>
-      <mc:AlternateContent xmlns:mc="http://schemas.openxmlformats.org/markup-compatibility/2006">
-        <mc:Choice xmlns:a14="http://schemas.microsoft.com/office/drawing/2010/main" Requires="a14">
+      <mc:AlternateContent xmlns:mc="http://schemas.openxmlformats.org/markup-compatibility/2006" xmlns:a14="http://schemas.microsoft.com/office/drawing/2010/main">
+        <mc:Choice Requires="a14">
           <p:sp>
             <p:nvSpPr>
               <p:cNvPr id="53" name="직사각형 52">
@@ -10207,6 +10252,7 @@
               </a:bodyPr>
               <a:lstStyle/>
               <a:p>
+                <a:pPr/>
                 <a14:m>
                   <m:oMathPara xmlns:m="http://schemas.openxmlformats.org/officeDocument/2006/math">
                     <m:oMathParaPr>
@@ -10277,7 +10323,7 @@
             </p:txBody>
           </p:sp>
         </mc:Choice>
-        <mc:Fallback>
+        <mc:Fallback xmlns="">
           <p:sp>
             <p:nvSpPr>
               <p:cNvPr id="53" name="직사각형 52">
@@ -10322,8 +10368,8 @@
           </p:sp>
         </mc:Fallback>
       </mc:AlternateContent>
-      <mc:AlternateContent xmlns:mc="http://schemas.openxmlformats.org/markup-compatibility/2006">
-        <mc:Choice xmlns:a14="http://schemas.microsoft.com/office/drawing/2010/main" Requires="a14">
+      <mc:AlternateContent xmlns:mc="http://schemas.openxmlformats.org/markup-compatibility/2006" xmlns:a14="http://schemas.microsoft.com/office/drawing/2010/main">
+        <mc:Choice Requires="a14">
           <p:sp>
             <p:nvSpPr>
               <p:cNvPr id="54" name="직사각형 53">
@@ -10351,6 +10397,7 @@
               </a:bodyPr>
               <a:lstStyle/>
               <a:p>
+                <a:pPr/>
                 <a14:m>
                   <m:oMathPara xmlns:m="http://schemas.openxmlformats.org/officeDocument/2006/math">
                     <m:oMathParaPr>
@@ -10390,7 +10437,7 @@
             </p:txBody>
           </p:sp>
         </mc:Choice>
-        <mc:Fallback>
+        <mc:Fallback xmlns="">
           <p:sp>
             <p:nvSpPr>
               <p:cNvPr id="54" name="직사각형 53">
@@ -10435,8 +10482,8 @@
           </p:sp>
         </mc:Fallback>
       </mc:AlternateContent>
-      <mc:AlternateContent xmlns:mc="http://schemas.openxmlformats.org/markup-compatibility/2006">
-        <mc:Choice xmlns:a14="http://schemas.microsoft.com/office/drawing/2010/main" Requires="a14">
+      <mc:AlternateContent xmlns:mc="http://schemas.openxmlformats.org/markup-compatibility/2006" xmlns:a14="http://schemas.microsoft.com/office/drawing/2010/main">
+        <mc:Choice Requires="a14">
           <p:sp>
             <p:nvSpPr>
               <p:cNvPr id="55" name="직사각형 54">
@@ -10464,6 +10511,7 @@
               </a:bodyPr>
               <a:lstStyle/>
               <a:p>
+                <a:pPr/>
                 <a14:m>
                   <m:oMathPara xmlns:m="http://schemas.openxmlformats.org/officeDocument/2006/math">
                     <m:oMathParaPr>
@@ -10534,7 +10582,7 @@
             </p:txBody>
           </p:sp>
         </mc:Choice>
-        <mc:Fallback>
+        <mc:Fallback xmlns="">
           <p:sp>
             <p:nvSpPr>
               <p:cNvPr id="55" name="직사각형 54">
@@ -10579,8 +10627,8 @@
           </p:sp>
         </mc:Fallback>
       </mc:AlternateContent>
-      <mc:AlternateContent xmlns:mc="http://schemas.openxmlformats.org/markup-compatibility/2006">
-        <mc:Choice xmlns:a14="http://schemas.microsoft.com/office/drawing/2010/main" Requires="a14">
+      <mc:AlternateContent xmlns:mc="http://schemas.openxmlformats.org/markup-compatibility/2006" xmlns:a14="http://schemas.microsoft.com/office/drawing/2010/main">
+        <mc:Choice Requires="a14">
           <p:sp>
             <p:nvSpPr>
               <p:cNvPr id="56" name="직사각형 55">
@@ -10608,6 +10656,7 @@
               </a:bodyPr>
               <a:lstStyle/>
               <a:p>
+                <a:pPr/>
                 <a14:m>
                   <m:oMathPara xmlns:m="http://schemas.openxmlformats.org/officeDocument/2006/math">
                     <m:oMathParaPr>
@@ -10647,7 +10696,7 @@
             </p:txBody>
           </p:sp>
         </mc:Choice>
-        <mc:Fallback>
+        <mc:Fallback xmlns="">
           <p:sp>
             <p:nvSpPr>
               <p:cNvPr id="56" name="직사각형 55">
@@ -10692,8 +10741,8 @@
           </p:sp>
         </mc:Fallback>
       </mc:AlternateContent>
-      <mc:AlternateContent xmlns:mc="http://schemas.openxmlformats.org/markup-compatibility/2006">
-        <mc:Choice xmlns:a14="http://schemas.microsoft.com/office/drawing/2010/main" Requires="a14">
+      <mc:AlternateContent xmlns:mc="http://schemas.openxmlformats.org/markup-compatibility/2006" xmlns:a14="http://schemas.microsoft.com/office/drawing/2010/main">
+        <mc:Choice Requires="a14">
           <p:sp>
             <p:nvSpPr>
               <p:cNvPr id="57" name="직사각형 56">
@@ -10721,6 +10770,7 @@
               </a:bodyPr>
               <a:lstStyle/>
               <a:p>
+                <a:pPr/>
                 <a14:m>
                   <m:oMathPara xmlns:m="http://schemas.openxmlformats.org/officeDocument/2006/math">
                     <m:oMathParaPr>
@@ -10791,7 +10841,7 @@
             </p:txBody>
           </p:sp>
         </mc:Choice>
-        <mc:Fallback>
+        <mc:Fallback xmlns="">
           <p:sp>
             <p:nvSpPr>
               <p:cNvPr id="57" name="직사각형 56">
@@ -10836,8 +10886,8 @@
           </p:sp>
         </mc:Fallback>
       </mc:AlternateContent>
-      <mc:AlternateContent xmlns:mc="http://schemas.openxmlformats.org/markup-compatibility/2006">
-        <mc:Choice xmlns:a14="http://schemas.microsoft.com/office/drawing/2010/main" Requires="a14">
+      <mc:AlternateContent xmlns:mc="http://schemas.openxmlformats.org/markup-compatibility/2006" xmlns:a14="http://schemas.microsoft.com/office/drawing/2010/main">
+        <mc:Choice Requires="a14">
           <p:sp>
             <p:nvSpPr>
               <p:cNvPr id="58" name="직사각형 57">
@@ -10865,6 +10915,7 @@
               </a:bodyPr>
               <a:lstStyle/>
               <a:p>
+                <a:pPr/>
                 <a14:m>
                   <m:oMathPara xmlns:m="http://schemas.openxmlformats.org/officeDocument/2006/math">
                     <m:oMathParaPr>
@@ -11102,7 +11153,7 @@
             </p:txBody>
           </p:sp>
         </mc:Choice>
-        <mc:Fallback>
+        <mc:Fallback xmlns="">
           <p:sp>
             <p:nvSpPr>
               <p:cNvPr id="58" name="직사각형 57">
@@ -11432,8 +11483,8 @@
           </p:txBody>
         </p:sp>
       </p:grpSp>
-      <mc:AlternateContent xmlns:mc="http://schemas.openxmlformats.org/markup-compatibility/2006">
-        <mc:Choice xmlns:a14="http://schemas.microsoft.com/office/drawing/2010/main" Requires="a14">
+      <mc:AlternateContent xmlns:mc="http://schemas.openxmlformats.org/markup-compatibility/2006" xmlns:a14="http://schemas.microsoft.com/office/drawing/2010/main">
+        <mc:Choice Requires="a14">
           <p:sp>
             <p:nvSpPr>
               <p:cNvPr id="68" name="직사각형 67">
@@ -11461,6 +11512,7 @@
               </a:bodyPr>
               <a:lstStyle/>
               <a:p>
+                <a:pPr/>
                 <a14:m>
                   <m:oMathPara xmlns:m="http://schemas.openxmlformats.org/officeDocument/2006/math">
                     <m:oMathParaPr>
@@ -11546,6 +11598,7 @@
                 <a:endParaRPr lang="en-US" altLang="ko-KR" dirty="0"/>
               </a:p>
               <a:p>
+                <a:pPr/>
                 <a14:m>
                   <m:oMathPara xmlns:m="http://schemas.openxmlformats.org/officeDocument/2006/math">
                     <m:oMathParaPr>
@@ -11616,7 +11669,7 @@
             </p:txBody>
           </p:sp>
         </mc:Choice>
-        <mc:Fallback>
+        <mc:Fallback xmlns="">
           <p:sp>
             <p:nvSpPr>
               <p:cNvPr id="68" name="직사각형 67">
@@ -11661,8 +11714,8 @@
           </p:sp>
         </mc:Fallback>
       </mc:AlternateContent>
-      <mc:AlternateContent xmlns:mc="http://schemas.openxmlformats.org/markup-compatibility/2006">
-        <mc:Choice xmlns:a14="http://schemas.microsoft.com/office/drawing/2010/main" Requires="a14">
+      <mc:AlternateContent xmlns:mc="http://schemas.openxmlformats.org/markup-compatibility/2006" xmlns:a14="http://schemas.microsoft.com/office/drawing/2010/main">
+        <mc:Choice Requires="a14">
           <p:sp>
             <p:nvSpPr>
               <p:cNvPr id="69" name="직사각형 68">
@@ -11919,7 +11972,7 @@
             </p:txBody>
           </p:sp>
         </mc:Choice>
-        <mc:Fallback>
+        <mc:Fallback xmlns="">
           <p:sp>
             <p:nvSpPr>
               <p:cNvPr id="69" name="직사각형 68">
@@ -11964,8 +12017,8 @@
           </p:sp>
         </mc:Fallback>
       </mc:AlternateContent>
-      <mc:AlternateContent xmlns:mc="http://schemas.openxmlformats.org/markup-compatibility/2006">
-        <mc:Choice xmlns:a14="http://schemas.microsoft.com/office/drawing/2010/main" Requires="a14">
+      <mc:AlternateContent xmlns:mc="http://schemas.openxmlformats.org/markup-compatibility/2006" xmlns:a14="http://schemas.microsoft.com/office/drawing/2010/main">
+        <mc:Choice Requires="a14">
           <p:sp>
             <p:nvSpPr>
               <p:cNvPr id="70" name="직사각형 69">
@@ -11993,6 +12046,7 @@
               </a:bodyPr>
               <a:lstStyle/>
               <a:p>
+                <a:pPr/>
                 <a14:m>
                   <m:oMathPara xmlns:m="http://schemas.openxmlformats.org/officeDocument/2006/math">
                     <m:oMathParaPr>
@@ -12032,7 +12086,7 @@
             </p:txBody>
           </p:sp>
         </mc:Choice>
-        <mc:Fallback>
+        <mc:Fallback xmlns="">
           <p:sp>
             <p:nvSpPr>
               <p:cNvPr id="70" name="직사각형 69">
@@ -13157,7 +13211,7 @@
         </p:blipFill>
         <p:spPr>
           <a:xfrm>
-            <a:off x="900112" y="1848604"/>
+            <a:off x="900112" y="1781929"/>
             <a:ext cx="3819525" cy="4514850"/>
           </a:xfrm>
           <a:prstGeom prst="rect">
@@ -25812,8 +25866,8 @@
           </a:p>
         </p:txBody>
       </p:sp>
-      <mc:AlternateContent xmlns:mc="http://schemas.openxmlformats.org/markup-compatibility/2006" xmlns:a14="http://schemas.microsoft.com/office/drawing/2010/main">
-        <mc:Choice Requires="a14">
+      <mc:AlternateContent xmlns:mc="http://schemas.openxmlformats.org/markup-compatibility/2006">
+        <mc:Choice xmlns:a14="http://schemas.microsoft.com/office/drawing/2010/main" Requires="a14">
           <p:sp>
             <p:nvSpPr>
               <p:cNvPr id="3" name="내용 개체 틀 2">
@@ -25870,7 +25924,7 @@
                 </a:r>
                 <a:r>
                   <a:rPr lang="ko-KR" altLang="en-US" sz="2000" dirty="0"/>
-                  <a:t>최적의 환경 평가 함수</a:t>
+                  <a:t>최적의 상황 평가 함수</a:t>
                 </a:r>
                 <a:r>
                   <a:rPr lang="en-US" altLang="ko-KR" sz="2000" dirty="0"/>
@@ -25925,7 +25979,7 @@
             </p:txBody>
           </p:sp>
         </mc:Choice>
-        <mc:Fallback xmlns="">
+        <mc:Fallback>
           <p:sp>
             <p:nvSpPr>
               <p:cNvPr id="3" name="내용 개체 틀 2">
@@ -26135,8 +26189,8 @@
           </a:p>
         </p:txBody>
       </p:sp>
-      <mc:AlternateContent xmlns:mc="http://schemas.openxmlformats.org/markup-compatibility/2006" xmlns:a14="http://schemas.microsoft.com/office/drawing/2010/main">
-        <mc:Choice Requires="a14">
+      <mc:AlternateContent xmlns:mc="http://schemas.openxmlformats.org/markup-compatibility/2006">
+        <mc:Choice xmlns:a14="http://schemas.microsoft.com/office/drawing/2010/main" Requires="a14">
           <p:sp>
             <p:nvSpPr>
               <p:cNvPr id="3" name="내용 개체 틀 2">
@@ -26185,7 +26239,7 @@
                 </a:r>
                 <a:r>
                   <a:rPr lang="ko-KR" altLang="en-US" dirty="0"/>
-                  <a:t>지점에서의 환경평가 함수</a:t>
+                  <a:t>지점에서의 상황평가 함수</a:t>
                 </a:r>
                 <a:r>
                   <a:rPr lang="en-US" altLang="ko-KR" dirty="0"/>
@@ -26264,7 +26318,7 @@
                 </a:r>
                 <a:r>
                   <a:rPr lang="ko-KR" altLang="en-US" dirty="0"/>
-                  <a:t>구하기</a:t>
+                  <a:t>손으로 구해 보기</a:t>
                 </a:r>
                 <a:endParaRPr lang="en-US" altLang="ko-KR" dirty="0"/>
               </a:p>
@@ -26491,7 +26545,7 @@
             </p:txBody>
           </p:sp>
         </mc:Choice>
-        <mc:Fallback xmlns="">
+        <mc:Fallback>
           <p:sp>
             <p:nvSpPr>
               <p:cNvPr id="3" name="내용 개체 틀 2">
@@ -32878,7 +32932,7 @@
             </a:r>
             <a:r>
               <a:rPr lang="ko-KR" altLang="en-US" sz="1600" dirty="0"/>
-              <a:t>환경 평가 함수</a:t>
+              <a:t>상황 평가 함수</a:t>
             </a:r>
             <a:r>
               <a:rPr lang="en-US" altLang="ko-KR" sz="1600" dirty="0"/>
